--- a/Capstone Project/capstone project part 2/Capstone Project.pptx
+++ b/Capstone Project/capstone project part 2/Capstone Project.pptx
@@ -223,7 +223,7 @@
           <a:p>
             <a:fld id="{EF1077DB-935E-4A0A-947A-D283B9F9F452}" type="datetimeFigureOut">
               <a:rPr lang="en-US" smtClean="0"/>
-              <a:t>7/30/2020</a:t>
+              <a:t>8/7/2020</a:t>
             </a:fld>
             <a:endParaRPr lang="en-US"/>
           </a:p>
@@ -400,7 +400,7 @@
           <a:p>
             <a:fld id="{2D9EC30E-1A71-4188-9BE7-E2A64929A436}" type="datetimeFigureOut">
               <a:rPr lang="en-US" noProof="0" smtClean="0"/>
-              <a:t>7/30/2020</a:t>
+              <a:t>8/7/2020</a:t>
             </a:fld>
             <a:endParaRPr lang="en-US" noProof="0"/>
           </a:p>
@@ -23102,15 +23102,7 @@
           <a:p>
             <a:r>
               <a:rPr lang="en-US" dirty="0"/>
-              <a:t>Padma </a:t>
-            </a:r>
-            <a:r>
-              <a:rPr lang="en-US" dirty="0" err="1"/>
-              <a:t>Lochini</a:t>
-            </a:r>
-            <a:r>
-              <a:rPr lang="en-US" dirty="0"/>
-              <a:t> V </a:t>
+              <a:t>Joseph Charlie </a:t>
             </a:r>
           </a:p>
         </p:txBody>
@@ -28287,6 +28279,23 @@
 </file>
 
 <file path=customXml/item1.xml><?xml version="1.0" encoding="utf-8"?>
+<?mso-contentType ?>
+<FormTemplates xmlns="http://schemas.microsoft.com/sharepoint/v3/contenttype/forms">
+  <Display>DocumentLibraryForm</Display>
+  <Edit>DocumentLibraryForm</Edit>
+  <New>DocumentLibraryForm</New>
+</FormTemplates>
+</file>
+
+<file path=customXml/item2.xml><?xml version="1.0" encoding="utf-8"?>
+<p:properties xmlns:p="http://schemas.microsoft.com/office/2006/metadata/properties" xmlns:xsi="http://www.w3.org/2001/XMLSchema-instance" xmlns:pc="http://schemas.microsoft.com/office/infopath/2007/PartnerControls">
+  <documentManagement>
+    <MediaServiceKeyPoints xmlns="71af3243-3dd4-4a8d-8c0d-dd76da1f02a5" xsi:nil="true"/>
+  </documentManagement>
+</p:properties>
+</file>
+
+<file path=customXml/item3.xml><?xml version="1.0" encoding="utf-8"?>
 <ct:contentTypeSchema xmlns:ct="http://schemas.microsoft.com/office/2006/metadata/contentType" xmlns:ma="http://schemas.microsoft.com/office/2006/metadata/properties/metaAttributes" ct:_="" ma:_="" ma:contentTypeName="Document" ma:contentTypeID="0x01010079F111ED35F8CC479449609E8A0923A6" ma:contentTypeVersion="11" ma:contentTypeDescription="Create a new document." ma:contentTypeScope="" ma:versionID="96291512c1ee715ab617f4c07df79fc1">
   <xsd:schema xmlns:xsd="http://www.w3.org/2001/XMLSchema" xmlns:xs="http://www.w3.org/2001/XMLSchema" xmlns:p="http://schemas.microsoft.com/office/2006/metadata/properties" xmlns:ns2="71af3243-3dd4-4a8d-8c0d-dd76da1f02a5" xmlns:ns3="16c05727-aa75-4e4a-9b5f-8a80a1165891" targetNamespace="http://schemas.microsoft.com/office/2006/metadata/properties" ma:root="true" ma:fieldsID="8256c27c40ca5c40ce1cf6c44f0205df" ns2:_="" ns3:_="">
     <xsd:import namespace="71af3243-3dd4-4a8d-8c0d-dd76da1f02a5"/>
@@ -28497,24 +28506,25 @@
 </ct:contentTypeSchema>
 </file>
 
-<file path=customXml/item2.xml><?xml version="1.0" encoding="utf-8"?>
-<p:properties xmlns:p="http://schemas.microsoft.com/office/2006/metadata/properties" xmlns:xsi="http://www.w3.org/2001/XMLSchema-instance" xmlns:pc="http://schemas.microsoft.com/office/infopath/2007/PartnerControls">
-  <documentManagement>
-    <MediaServiceKeyPoints xmlns="71af3243-3dd4-4a8d-8c0d-dd76da1f02a5" xsi:nil="true"/>
-  </documentManagement>
-</p:properties>
+<file path=customXml/itemProps1.xml><?xml version="1.0" encoding="utf-8"?>
+<ds:datastoreItem xmlns:ds="http://schemas.openxmlformats.org/officeDocument/2006/customXml" ds:itemID="{8A930687-51F2-44C8-9CE6-D1B3D6E17522}">
+  <ds:schemaRefs>
+    <ds:schemaRef ds:uri="http://schemas.microsoft.com/sharepoint/v3/contenttype/forms"/>
+  </ds:schemaRefs>
+</ds:datastoreItem>
 </file>
 
-<file path=customXml/item3.xml><?xml version="1.0" encoding="utf-8"?>
-<?mso-contentType ?>
-<FormTemplates xmlns="http://schemas.microsoft.com/sharepoint/v3/contenttype/forms">
-  <Display>DocumentLibraryForm</Display>
-  <Edit>DocumentLibraryForm</Edit>
-  <New>DocumentLibraryForm</New>
-</FormTemplates>
+<file path=customXml/itemProps2.xml><?xml version="1.0" encoding="utf-8"?>
+<ds:datastoreItem xmlns:ds="http://schemas.openxmlformats.org/officeDocument/2006/customXml" ds:itemID="{A861FE8A-8F15-409F-AF62-619C69C0D537}">
+  <ds:schemaRefs>
+    <ds:schemaRef ds:uri="http://schemas.microsoft.com/office/2006/metadata/properties"/>
+    <ds:schemaRef ds:uri="http://schemas.microsoft.com/office/infopath/2007/PartnerControls"/>
+    <ds:schemaRef ds:uri="71af3243-3dd4-4a8d-8c0d-dd76da1f02a5"/>
+  </ds:schemaRefs>
+</ds:datastoreItem>
 </file>
 
-<file path=customXml/itemProps1.xml><?xml version="1.0" encoding="utf-8"?>
+<file path=customXml/itemProps3.xml><?xml version="1.0" encoding="utf-8"?>
 <ds:datastoreItem xmlns:ds="http://schemas.openxmlformats.org/officeDocument/2006/customXml" ds:itemID="{29AE7CBC-C35C-4FA9-B339-59E31F30C6AC}">
   <ds:schemaRefs>
     <ds:schemaRef ds:uri="http://schemas.microsoft.com/office/2006/metadata/contentType"/>
@@ -28531,22 +28541,4 @@
     <ds:schemaRef ds:uri="http://schemas.microsoft.com/internal/obd"/>
   </ds:schemaRefs>
 </ds:datastoreItem>
-</file>
-
-<file path=customXml/itemProps2.xml><?xml version="1.0" encoding="utf-8"?>
-<ds:datastoreItem xmlns:ds="http://schemas.openxmlformats.org/officeDocument/2006/customXml" ds:itemID="{A861FE8A-8F15-409F-AF62-619C69C0D537}">
-  <ds:schemaRefs>
-    <ds:schemaRef ds:uri="http://schemas.microsoft.com/office/2006/metadata/properties"/>
-    <ds:schemaRef ds:uri="http://schemas.microsoft.com/office/infopath/2007/PartnerControls"/>
-    <ds:schemaRef ds:uri="71af3243-3dd4-4a8d-8c0d-dd76da1f02a5"/>
-  </ds:schemaRefs>
-</ds:datastoreItem>
-</file>
-
-<file path=customXml/itemProps3.xml><?xml version="1.0" encoding="utf-8"?>
-<ds:datastoreItem xmlns:ds="http://schemas.openxmlformats.org/officeDocument/2006/customXml" ds:itemID="{8A930687-51F2-44C8-9CE6-D1B3D6E17522}">
-  <ds:schemaRefs>
-    <ds:schemaRef ds:uri="http://schemas.microsoft.com/sharepoint/v3/contenttype/forms"/>
-  </ds:schemaRefs>
-</ds:datastoreItem>
 </file>
--- a/Capstone Project/capstone project part 2/Capstone Project.pptx
+++ b/Capstone Project/capstone project part 2/Capstone Project.pptx
@@ -28279,23 +28279,6 @@
 </file>
 
 <file path=customXml/item1.xml><?xml version="1.0" encoding="utf-8"?>
-<?mso-contentType ?>
-<FormTemplates xmlns="http://schemas.microsoft.com/sharepoint/v3/contenttype/forms">
-  <Display>DocumentLibraryForm</Display>
-  <Edit>DocumentLibraryForm</Edit>
-  <New>DocumentLibraryForm</New>
-</FormTemplates>
-</file>
-
-<file path=customXml/item2.xml><?xml version="1.0" encoding="utf-8"?>
-<p:properties xmlns:p="http://schemas.microsoft.com/office/2006/metadata/properties" xmlns:xsi="http://www.w3.org/2001/XMLSchema-instance" xmlns:pc="http://schemas.microsoft.com/office/infopath/2007/PartnerControls">
-  <documentManagement>
-    <MediaServiceKeyPoints xmlns="71af3243-3dd4-4a8d-8c0d-dd76da1f02a5" xsi:nil="true"/>
-  </documentManagement>
-</p:properties>
-</file>
-
-<file path=customXml/item3.xml><?xml version="1.0" encoding="utf-8"?>
 <ct:contentTypeSchema xmlns:ct="http://schemas.microsoft.com/office/2006/metadata/contentType" xmlns:ma="http://schemas.microsoft.com/office/2006/metadata/properties/metaAttributes" ct:_="" ma:_="" ma:contentTypeName="Document" ma:contentTypeID="0x01010079F111ED35F8CC479449609E8A0923A6" ma:contentTypeVersion="11" ma:contentTypeDescription="Create a new document." ma:contentTypeScope="" ma:versionID="96291512c1ee715ab617f4c07df79fc1">
   <xsd:schema xmlns:xsd="http://www.w3.org/2001/XMLSchema" xmlns:xs="http://www.w3.org/2001/XMLSchema" xmlns:p="http://schemas.microsoft.com/office/2006/metadata/properties" xmlns:ns2="71af3243-3dd4-4a8d-8c0d-dd76da1f02a5" xmlns:ns3="16c05727-aa75-4e4a-9b5f-8a80a1165891" targetNamespace="http://schemas.microsoft.com/office/2006/metadata/properties" ma:root="true" ma:fieldsID="8256c27c40ca5c40ce1cf6c44f0205df" ns2:_="" ns3:_="">
     <xsd:import namespace="71af3243-3dd4-4a8d-8c0d-dd76da1f02a5"/>
@@ -28506,25 +28489,24 @@
 </ct:contentTypeSchema>
 </file>
 
-<file path=customXml/itemProps1.xml><?xml version="1.0" encoding="utf-8"?>
-<ds:datastoreItem xmlns:ds="http://schemas.openxmlformats.org/officeDocument/2006/customXml" ds:itemID="{8A930687-51F2-44C8-9CE6-D1B3D6E17522}">
-  <ds:schemaRefs>
-    <ds:schemaRef ds:uri="http://schemas.microsoft.com/sharepoint/v3/contenttype/forms"/>
-  </ds:schemaRefs>
-</ds:datastoreItem>
+<file path=customXml/item2.xml><?xml version="1.0" encoding="utf-8"?>
+<p:properties xmlns:p="http://schemas.microsoft.com/office/2006/metadata/properties" xmlns:xsi="http://www.w3.org/2001/XMLSchema-instance" xmlns:pc="http://schemas.microsoft.com/office/infopath/2007/PartnerControls">
+  <documentManagement>
+    <MediaServiceKeyPoints xmlns="71af3243-3dd4-4a8d-8c0d-dd76da1f02a5" xsi:nil="true"/>
+  </documentManagement>
+</p:properties>
 </file>
 
-<file path=customXml/itemProps2.xml><?xml version="1.0" encoding="utf-8"?>
-<ds:datastoreItem xmlns:ds="http://schemas.openxmlformats.org/officeDocument/2006/customXml" ds:itemID="{A861FE8A-8F15-409F-AF62-619C69C0D537}">
-  <ds:schemaRefs>
-    <ds:schemaRef ds:uri="http://schemas.microsoft.com/office/2006/metadata/properties"/>
-    <ds:schemaRef ds:uri="http://schemas.microsoft.com/office/infopath/2007/PartnerControls"/>
-    <ds:schemaRef ds:uri="71af3243-3dd4-4a8d-8c0d-dd76da1f02a5"/>
-  </ds:schemaRefs>
-</ds:datastoreItem>
+<file path=customXml/item3.xml><?xml version="1.0" encoding="utf-8"?>
+<?mso-contentType ?>
+<FormTemplates xmlns="http://schemas.microsoft.com/sharepoint/v3/contenttype/forms">
+  <Display>DocumentLibraryForm</Display>
+  <Edit>DocumentLibraryForm</Edit>
+  <New>DocumentLibraryForm</New>
+</FormTemplates>
 </file>
 
-<file path=customXml/itemProps3.xml><?xml version="1.0" encoding="utf-8"?>
+<file path=customXml/itemProps1.xml><?xml version="1.0" encoding="utf-8"?>
 <ds:datastoreItem xmlns:ds="http://schemas.openxmlformats.org/officeDocument/2006/customXml" ds:itemID="{29AE7CBC-C35C-4FA9-B339-59E31F30C6AC}">
   <ds:schemaRefs>
     <ds:schemaRef ds:uri="http://schemas.microsoft.com/office/2006/metadata/contentType"/>
@@ -28541,4 +28523,22 @@
     <ds:schemaRef ds:uri="http://schemas.microsoft.com/internal/obd"/>
   </ds:schemaRefs>
 </ds:datastoreItem>
+</file>
+
+<file path=customXml/itemProps2.xml><?xml version="1.0" encoding="utf-8"?>
+<ds:datastoreItem xmlns:ds="http://schemas.openxmlformats.org/officeDocument/2006/customXml" ds:itemID="{A861FE8A-8F15-409F-AF62-619C69C0D537}">
+  <ds:schemaRefs>
+    <ds:schemaRef ds:uri="http://schemas.microsoft.com/office/2006/metadata/properties"/>
+    <ds:schemaRef ds:uri="http://schemas.microsoft.com/office/infopath/2007/PartnerControls"/>
+    <ds:schemaRef ds:uri="71af3243-3dd4-4a8d-8c0d-dd76da1f02a5"/>
+  </ds:schemaRefs>
+</ds:datastoreItem>
+</file>
+
+<file path=customXml/itemProps3.xml><?xml version="1.0" encoding="utf-8"?>
+<ds:datastoreItem xmlns:ds="http://schemas.openxmlformats.org/officeDocument/2006/customXml" ds:itemID="{8A930687-51F2-44C8-9CE6-D1B3D6E17522}">
+  <ds:schemaRefs>
+    <ds:schemaRef ds:uri="http://schemas.microsoft.com/sharepoint/v3/contenttype/forms"/>
+  </ds:schemaRefs>
+</ds:datastoreItem>
 </file>